--- a/Clases/Clase 8/clase 8.pptx
+++ b/Clases/Clase 8/clase 8.pptx
@@ -251,7 +251,7 @@
           <a:p>
             <a:fld id="{126F170E-E814-4B3B-A85B-D0CEE3E81FCB}" type="datetimeFigureOut">
               <a:rPr lang="es-MX" smtClean="0"/>
-              <a:t>15/01/2020</a:t>
+              <a:t>21/01/2020</a:t>
             </a:fld>
             <a:endParaRPr lang="es-MX"/>
           </a:p>
@@ -421,7 +421,7 @@
           <a:p>
             <a:fld id="{126F170E-E814-4B3B-A85B-D0CEE3E81FCB}" type="datetimeFigureOut">
               <a:rPr lang="es-MX" smtClean="0"/>
-              <a:t>15/01/2020</a:t>
+              <a:t>21/01/2020</a:t>
             </a:fld>
             <a:endParaRPr lang="es-MX"/>
           </a:p>
@@ -601,7 +601,7 @@
           <a:p>
             <a:fld id="{126F170E-E814-4B3B-A85B-D0CEE3E81FCB}" type="datetimeFigureOut">
               <a:rPr lang="es-MX" smtClean="0"/>
-              <a:t>15/01/2020</a:t>
+              <a:t>21/01/2020</a:t>
             </a:fld>
             <a:endParaRPr lang="es-MX"/>
           </a:p>
@@ -771,7 +771,7 @@
           <a:p>
             <a:fld id="{126F170E-E814-4B3B-A85B-D0CEE3E81FCB}" type="datetimeFigureOut">
               <a:rPr lang="es-MX" smtClean="0"/>
-              <a:t>15/01/2020</a:t>
+              <a:t>21/01/2020</a:t>
             </a:fld>
             <a:endParaRPr lang="es-MX"/>
           </a:p>
@@ -1017,7 +1017,7 @@
           <a:p>
             <a:fld id="{126F170E-E814-4B3B-A85B-D0CEE3E81FCB}" type="datetimeFigureOut">
               <a:rPr lang="es-MX" smtClean="0"/>
-              <a:t>15/01/2020</a:t>
+              <a:t>21/01/2020</a:t>
             </a:fld>
             <a:endParaRPr lang="es-MX"/>
           </a:p>
@@ -1249,7 +1249,7 @@
           <a:p>
             <a:fld id="{126F170E-E814-4B3B-A85B-D0CEE3E81FCB}" type="datetimeFigureOut">
               <a:rPr lang="es-MX" smtClean="0"/>
-              <a:t>15/01/2020</a:t>
+              <a:t>21/01/2020</a:t>
             </a:fld>
             <a:endParaRPr lang="es-MX"/>
           </a:p>
@@ -1616,7 +1616,7 @@
           <a:p>
             <a:fld id="{126F170E-E814-4B3B-A85B-D0CEE3E81FCB}" type="datetimeFigureOut">
               <a:rPr lang="es-MX" smtClean="0"/>
-              <a:t>15/01/2020</a:t>
+              <a:t>21/01/2020</a:t>
             </a:fld>
             <a:endParaRPr lang="es-MX"/>
           </a:p>
@@ -1734,7 +1734,7 @@
           <a:p>
             <a:fld id="{126F170E-E814-4B3B-A85B-D0CEE3E81FCB}" type="datetimeFigureOut">
               <a:rPr lang="es-MX" smtClean="0"/>
-              <a:t>15/01/2020</a:t>
+              <a:t>21/01/2020</a:t>
             </a:fld>
             <a:endParaRPr lang="es-MX"/>
           </a:p>
@@ -1829,7 +1829,7 @@
           <a:p>
             <a:fld id="{126F170E-E814-4B3B-A85B-D0CEE3E81FCB}" type="datetimeFigureOut">
               <a:rPr lang="es-MX" smtClean="0"/>
-              <a:t>15/01/2020</a:t>
+              <a:t>21/01/2020</a:t>
             </a:fld>
             <a:endParaRPr lang="es-MX"/>
           </a:p>
@@ -2106,7 +2106,7 @@
           <a:p>
             <a:fld id="{126F170E-E814-4B3B-A85B-D0CEE3E81FCB}" type="datetimeFigureOut">
               <a:rPr lang="es-MX" smtClean="0"/>
-              <a:t>15/01/2020</a:t>
+              <a:t>21/01/2020</a:t>
             </a:fld>
             <a:endParaRPr lang="es-MX"/>
           </a:p>
@@ -2359,7 +2359,7 @@
           <a:p>
             <a:fld id="{126F170E-E814-4B3B-A85B-D0CEE3E81FCB}" type="datetimeFigureOut">
               <a:rPr lang="es-MX" smtClean="0"/>
-              <a:t>15/01/2020</a:t>
+              <a:t>21/01/2020</a:t>
             </a:fld>
             <a:endParaRPr lang="es-MX"/>
           </a:p>
@@ -2572,7 +2572,7 @@
           <a:p>
             <a:fld id="{126F170E-E814-4B3B-A85B-D0CEE3E81FCB}" type="datetimeFigureOut">
               <a:rPr lang="es-MX" smtClean="0"/>
-              <a:t>15/01/2020</a:t>
+              <a:t>21/01/2020</a:t>
             </a:fld>
             <a:endParaRPr lang="es-MX"/>
           </a:p>
@@ -2992,7 +2992,7 @@
           <a:bodyPr/>
           <a:lstStyle/>
           <a:p>
-            <a:endParaRPr lang="es-MX"/>
+            <a:endParaRPr lang="es-MX" dirty="0"/>
           </a:p>
         </p:txBody>
       </p:sp>
@@ -3011,7 +3011,7 @@
           <a:bodyPr/>
           <a:lstStyle/>
           <a:p>
-            <a:endParaRPr lang="es-MX"/>
+            <a:endParaRPr lang="es-MX" dirty="0"/>
           </a:p>
         </p:txBody>
       </p:sp>
@@ -3327,7 +3327,7 @@
           <a:bodyPr/>
           <a:lstStyle/>
           <a:p>
-            <a:endParaRPr lang="es-MX"/>
+            <a:endParaRPr lang="es-MX" dirty="0"/>
           </a:p>
         </p:txBody>
       </p:sp>
@@ -3346,7 +3346,7 @@
           <a:bodyPr/>
           <a:lstStyle/>
           <a:p>
-            <a:endParaRPr lang="es-MX"/>
+            <a:endParaRPr lang="es-MX" dirty="0"/>
           </a:p>
         </p:txBody>
       </p:sp>
@@ -3662,7 +3662,7 @@
           <a:bodyPr/>
           <a:lstStyle/>
           <a:p>
-            <a:endParaRPr lang="es-MX"/>
+            <a:endParaRPr lang="es-MX" dirty="0"/>
           </a:p>
         </p:txBody>
       </p:sp>
@@ -3681,7 +3681,7 @@
           <a:bodyPr/>
           <a:lstStyle/>
           <a:p>
-            <a:endParaRPr lang="es-MX"/>
+            <a:endParaRPr lang="es-MX" dirty="0"/>
           </a:p>
         </p:txBody>
       </p:sp>
@@ -5839,14 +5839,14 @@
       </p:sp>
       <p:sp>
         <p:nvSpPr>
-          <p:cNvPr id="14" name="CuadroTexto 13"/>
+          <p:cNvPr id="15" name="CuadroTexto 14"/>
           <p:cNvSpPr txBox="1"/>
           <p:nvPr/>
         </p:nvSpPr>
         <p:spPr>
           <a:xfrm>
-            <a:off x="3763400" y="1885276"/>
-            <a:ext cx="4651985" cy="861774"/>
+            <a:off x="1258941" y="2962052"/>
+            <a:ext cx="6880043" cy="1631216"/>
           </a:xfrm>
           <a:prstGeom prst="rect">
             <a:avLst/>
@@ -5860,69 +5860,31 @@
           <a:lstStyle/>
           <a:p>
             <a:r>
-              <a:rPr lang="es-ES" sz="5000" dirty="0" smtClean="0">
+              <a:rPr lang="en-US" sz="2500" dirty="0" smtClean="0">
                 <a:solidFill>
                   <a:srgbClr val="E0DDD6"/>
                 </a:solidFill>
               </a:rPr>
-              <a:t>Un poco de vi(m)</a:t>
-            </a:r>
-            <a:endParaRPr lang="es-MX" sz="5000" dirty="0">
-              <a:solidFill>
-                <a:srgbClr val="E0DDD6"/>
-              </a:solidFill>
-            </a:endParaRPr>
-          </a:p>
-        </p:txBody>
-      </p:sp>
-      <p:sp>
-        <p:nvSpPr>
-          <p:cNvPr id="15" name="CuadroTexto 14"/>
-          <p:cNvSpPr txBox="1"/>
-          <p:nvPr/>
-        </p:nvSpPr>
-        <p:spPr>
-          <a:xfrm>
-            <a:off x="1258941" y="2962052"/>
-            <a:ext cx="6880043" cy="1631216"/>
-          </a:xfrm>
-          <a:prstGeom prst="rect">
-            <a:avLst/>
-          </a:prstGeom>
-          <a:noFill/>
-        </p:spPr>
-        <p:txBody>
-          <a:bodyPr wrap="square" rtlCol="0">
-            <a:spAutoFit/>
-          </a:bodyPr>
-          <a:lstStyle/>
-          <a:p>
+              <a:t>Cat: </a:t>
+            </a:r>
+            <a:r>
+              <a:rPr lang="es-MX" sz="2500" dirty="0" smtClean="0">
+                <a:solidFill>
+                  <a:srgbClr val="E0DDD6"/>
+                </a:solidFill>
+              </a:rPr>
+              <a:t>ver</a:t>
+            </a:r>
             <a:r>
               <a:rPr lang="en-US" sz="2500" dirty="0" smtClean="0">
                 <a:solidFill>
                   <a:srgbClr val="E0DDD6"/>
                 </a:solidFill>
               </a:rPr>
-              <a:t>Cat: </a:t>
-            </a:r>
-            <a:r>
-              <a:rPr lang="en-US" sz="2500" dirty="0" err="1" smtClean="0">
-                <a:solidFill>
-                  <a:srgbClr val="E0DDD6"/>
-                </a:solidFill>
-              </a:rPr>
-              <a:t>ver</a:t>
-            </a:r>
-            <a:r>
-              <a:rPr lang="en-US" sz="2500" dirty="0" smtClean="0">
-                <a:solidFill>
-                  <a:srgbClr val="E0DDD6"/>
-                </a:solidFill>
-              </a:rPr>
               <a:t> el </a:t>
             </a:r>
             <a:r>
-              <a:rPr lang="en-US" sz="2500" dirty="0" err="1" smtClean="0">
+              <a:rPr lang="es-MX" sz="2500" dirty="0" smtClean="0">
                 <a:solidFill>
                   <a:srgbClr val="E0DDD6"/>
                 </a:solidFill>
@@ -6591,44 +6553,6 @@
       </p:sp>
       <p:sp>
         <p:nvSpPr>
-          <p:cNvPr id="14" name="CuadroTexto 13"/>
-          <p:cNvSpPr txBox="1"/>
-          <p:nvPr/>
-        </p:nvSpPr>
-        <p:spPr>
-          <a:xfrm>
-            <a:off x="3763400" y="1885276"/>
-            <a:ext cx="4651985" cy="861774"/>
-          </a:xfrm>
-          <a:prstGeom prst="rect">
-            <a:avLst/>
-          </a:prstGeom>
-          <a:noFill/>
-        </p:spPr>
-        <p:txBody>
-          <a:bodyPr wrap="square" rtlCol="0">
-            <a:spAutoFit/>
-          </a:bodyPr>
-          <a:lstStyle/>
-          <a:p>
-            <a:r>
-              <a:rPr lang="es-ES" sz="5000" dirty="0" smtClean="0">
-                <a:solidFill>
-                  <a:srgbClr val="E0DDD6"/>
-                </a:solidFill>
-              </a:rPr>
-              <a:t>Un poco de vi(m)</a:t>
-            </a:r>
-            <a:endParaRPr lang="es-MX" sz="5000" dirty="0">
-              <a:solidFill>
-                <a:srgbClr val="E0DDD6"/>
-              </a:solidFill>
-            </a:endParaRPr>
-          </a:p>
-        </p:txBody>
-      </p:sp>
-      <p:sp>
-        <p:nvSpPr>
           <p:cNvPr id="15" name="CuadroTexto 14"/>
           <p:cNvSpPr txBox="1"/>
           <p:nvPr/>
@@ -7018,7 +6942,7 @@
                   <a:srgbClr val="E0DDD6"/>
                 </a:solidFill>
               </a:rPr>
-              <a:t>// </a:t>
+              <a:t>// Ser felices</a:t>
             </a:r>
             <a:r>
               <a:rPr lang="es-ES" sz="3000" dirty="0" smtClean="0">
@@ -7026,15 +6950,7 @@
                   <a:srgbClr val="E0DDD6"/>
                 </a:solidFill>
               </a:rPr>
-              <a:t>Investigar como hacer un script en </a:t>
-            </a:r>
-            <a:r>
-              <a:rPr lang="es-ES" sz="3000" dirty="0" err="1" smtClean="0">
-                <a:solidFill>
-                  <a:srgbClr val="E0DDD6"/>
-                </a:solidFill>
-              </a:rPr>
-              <a:t>bash</a:t>
+              <a:t> </a:t>
             </a:r>
             <a:r>
               <a:rPr lang="es-ES" sz="3000" dirty="0" smtClean="0">
